--- a/灯和插座.pptx
+++ b/灯和插座.pptx
@@ -8,6 +8,7 @@
     <p:sldId id="256" r:id="rId2"/>
     <p:sldId id="257" r:id="rId3"/>
     <p:sldId id="258" r:id="rId4"/>
+    <p:sldId id="259" r:id="rId5"/>
   </p:sldIdLst>
   <p:sldSz cx="12192000" cy="6858000"/>
   <p:notesSz cx="6797675" cy="9928225"/>
@@ -265,7 +266,7 @@
           <a:p>
             <a:fld id="{C84D8605-3E26-45F1-B2B7-4D58DEB3C2B6}" type="datetimeFigureOut">
               <a:rPr lang="zh-CN" altLang="en-US" smtClean="0"/>
-              <a:t>2017/11/23</a:t>
+              <a:t>2017/12/11</a:t>
             </a:fld>
             <a:endParaRPr lang="zh-CN" altLang="en-US"/>
           </a:p>
@@ -463,7 +464,7 @@
           <a:p>
             <a:fld id="{C84D8605-3E26-45F1-B2B7-4D58DEB3C2B6}" type="datetimeFigureOut">
               <a:rPr lang="zh-CN" altLang="en-US" smtClean="0"/>
-              <a:t>2017/11/23</a:t>
+              <a:t>2017/12/11</a:t>
             </a:fld>
             <a:endParaRPr lang="zh-CN" altLang="en-US"/>
           </a:p>
@@ -671,7 +672,7 @@
           <a:p>
             <a:fld id="{C84D8605-3E26-45F1-B2B7-4D58DEB3C2B6}" type="datetimeFigureOut">
               <a:rPr lang="zh-CN" altLang="en-US" smtClean="0"/>
-              <a:t>2017/11/23</a:t>
+              <a:t>2017/12/11</a:t>
             </a:fld>
             <a:endParaRPr lang="zh-CN" altLang="en-US"/>
           </a:p>
@@ -869,7 +870,7 @@
           <a:p>
             <a:fld id="{C84D8605-3E26-45F1-B2B7-4D58DEB3C2B6}" type="datetimeFigureOut">
               <a:rPr lang="zh-CN" altLang="en-US" smtClean="0"/>
-              <a:t>2017/11/23</a:t>
+              <a:t>2017/12/11</a:t>
             </a:fld>
             <a:endParaRPr lang="zh-CN" altLang="en-US"/>
           </a:p>
@@ -1144,7 +1145,7 @@
           <a:p>
             <a:fld id="{C84D8605-3E26-45F1-B2B7-4D58DEB3C2B6}" type="datetimeFigureOut">
               <a:rPr lang="zh-CN" altLang="en-US" smtClean="0"/>
-              <a:t>2017/11/23</a:t>
+              <a:t>2017/12/11</a:t>
             </a:fld>
             <a:endParaRPr lang="zh-CN" altLang="en-US"/>
           </a:p>
@@ -1409,7 +1410,7 @@
           <a:p>
             <a:fld id="{C84D8605-3E26-45F1-B2B7-4D58DEB3C2B6}" type="datetimeFigureOut">
               <a:rPr lang="zh-CN" altLang="en-US" smtClean="0"/>
-              <a:t>2017/11/23</a:t>
+              <a:t>2017/12/11</a:t>
             </a:fld>
             <a:endParaRPr lang="zh-CN" altLang="en-US"/>
           </a:p>
@@ -1821,7 +1822,7 @@
           <a:p>
             <a:fld id="{C84D8605-3E26-45F1-B2B7-4D58DEB3C2B6}" type="datetimeFigureOut">
               <a:rPr lang="zh-CN" altLang="en-US" smtClean="0"/>
-              <a:t>2017/11/23</a:t>
+              <a:t>2017/12/11</a:t>
             </a:fld>
             <a:endParaRPr lang="zh-CN" altLang="en-US"/>
           </a:p>
@@ -1962,7 +1963,7 @@
           <a:p>
             <a:fld id="{C84D8605-3E26-45F1-B2B7-4D58DEB3C2B6}" type="datetimeFigureOut">
               <a:rPr lang="zh-CN" altLang="en-US" smtClean="0"/>
-              <a:t>2017/11/23</a:t>
+              <a:t>2017/12/11</a:t>
             </a:fld>
             <a:endParaRPr lang="zh-CN" altLang="en-US"/>
           </a:p>
@@ -2075,7 +2076,7 @@
           <a:p>
             <a:fld id="{C84D8605-3E26-45F1-B2B7-4D58DEB3C2B6}" type="datetimeFigureOut">
               <a:rPr lang="zh-CN" altLang="en-US" smtClean="0"/>
-              <a:t>2017/11/23</a:t>
+              <a:t>2017/12/11</a:t>
             </a:fld>
             <a:endParaRPr lang="zh-CN" altLang="en-US"/>
           </a:p>
@@ -2386,7 +2387,7 @@
           <a:p>
             <a:fld id="{C84D8605-3E26-45F1-B2B7-4D58DEB3C2B6}" type="datetimeFigureOut">
               <a:rPr lang="zh-CN" altLang="en-US" smtClean="0"/>
-              <a:t>2017/11/23</a:t>
+              <a:t>2017/12/11</a:t>
             </a:fld>
             <a:endParaRPr lang="zh-CN" altLang="en-US"/>
           </a:p>
@@ -2674,7 +2675,7 @@
           <a:p>
             <a:fld id="{C84D8605-3E26-45F1-B2B7-4D58DEB3C2B6}" type="datetimeFigureOut">
               <a:rPr lang="zh-CN" altLang="en-US" smtClean="0"/>
-              <a:t>2017/11/23</a:t>
+              <a:t>2017/12/11</a:t>
             </a:fld>
             <a:endParaRPr lang="zh-CN" altLang="en-US"/>
           </a:p>
@@ -2915,7 +2916,7 @@
           <a:p>
             <a:fld id="{C84D8605-3E26-45F1-B2B7-4D58DEB3C2B6}" type="datetimeFigureOut">
               <a:rPr lang="zh-CN" altLang="en-US" smtClean="0"/>
-              <a:t>2017/11/23</a:t>
+              <a:t>2017/12/11</a:t>
             </a:fld>
             <a:endParaRPr lang="zh-CN" altLang="en-US"/>
           </a:p>
@@ -5519,6 +5520,222 @@
 </p:sld>
 </file>
 
+<file path=ppt/slides/slide4.xml><?xml version="1.0" encoding="utf-8"?>
+<p:sld xmlns:a="http://schemas.openxmlformats.org/drawingml/2006/main" xmlns:r="http://schemas.openxmlformats.org/officeDocument/2006/relationships" xmlns:p="http://schemas.openxmlformats.org/presentationml/2006/main">
+  <p:cSld>
+    <p:spTree>
+      <p:nvGrpSpPr>
+        <p:cNvPr id="1" name=""/>
+        <p:cNvGrpSpPr/>
+        <p:nvPr/>
+      </p:nvGrpSpPr>
+      <p:grpSpPr>
+        <a:xfrm>
+          <a:off x="0" y="0"/>
+          <a:ext cx="0" cy="0"/>
+          <a:chOff x="0" y="0"/>
+          <a:chExt cx="0" cy="0"/>
+        </a:xfrm>
+      </p:grpSpPr>
+      <p:pic>
+        <p:nvPicPr>
+          <p:cNvPr id="4" name="图片 3">
+            <a:hlinkClick r:id="rId2"/>
+            <a:extLst>
+              <a:ext uri="{FF2B5EF4-FFF2-40B4-BE49-F238E27FC236}">
+                <a16:creationId xmlns:a16="http://schemas.microsoft.com/office/drawing/2014/main" id="{B9C01CBB-FEF9-41C1-81DC-29ABD4B51AAA}"/>
+              </a:ext>
+            </a:extLst>
+          </p:cNvPr>
+          <p:cNvPicPr>
+            <a:picLocks noChangeAspect="1"/>
+          </p:cNvPicPr>
+          <p:nvPr/>
+        </p:nvPicPr>
+        <p:blipFill>
+          <a:blip r:embed="rId3"/>
+          <a:stretch>
+            <a:fillRect/>
+          </a:stretch>
+        </p:blipFill>
+        <p:spPr>
+          <a:xfrm>
+            <a:off x="134217" y="135967"/>
+            <a:ext cx="2179775" cy="2170654"/>
+          </a:xfrm>
+          <a:prstGeom prst="rect">
+            <a:avLst/>
+          </a:prstGeom>
+        </p:spPr>
+      </p:pic>
+      <p:pic>
+        <p:nvPicPr>
+          <p:cNvPr id="5" name="图片 4">
+            <a:hlinkClick r:id="rId4"/>
+            <a:extLst>
+              <a:ext uri="{FF2B5EF4-FFF2-40B4-BE49-F238E27FC236}">
+                <a16:creationId xmlns:a16="http://schemas.microsoft.com/office/drawing/2014/main" id="{83EFBB6B-17E9-4D34-89D5-3FD0555491CE}"/>
+              </a:ext>
+            </a:extLst>
+          </p:cNvPr>
+          <p:cNvPicPr>
+            <a:picLocks noChangeAspect="1"/>
+          </p:cNvPicPr>
+          <p:nvPr/>
+        </p:nvPicPr>
+        <p:blipFill>
+          <a:blip r:embed="rId5"/>
+          <a:stretch>
+            <a:fillRect/>
+          </a:stretch>
+        </p:blipFill>
+        <p:spPr>
+          <a:xfrm>
+            <a:off x="2667565" y="135967"/>
+            <a:ext cx="2510925" cy="2317156"/>
+          </a:xfrm>
+          <a:prstGeom prst="rect">
+            <a:avLst/>
+          </a:prstGeom>
+        </p:spPr>
+      </p:pic>
+      <p:pic>
+        <p:nvPicPr>
+          <p:cNvPr id="6" name="图片 5">
+            <a:hlinkClick r:id="rId6"/>
+            <a:extLst>
+              <a:ext uri="{FF2B5EF4-FFF2-40B4-BE49-F238E27FC236}">
+                <a16:creationId xmlns:a16="http://schemas.microsoft.com/office/drawing/2014/main" id="{C23830E0-0A39-44CE-9B3F-5F7A667843DD}"/>
+              </a:ext>
+            </a:extLst>
+          </p:cNvPr>
+          <p:cNvPicPr>
+            <a:picLocks noChangeAspect="1"/>
+          </p:cNvPicPr>
+          <p:nvPr/>
+        </p:nvPicPr>
+        <p:blipFill>
+          <a:blip r:embed="rId7"/>
+          <a:stretch>
+            <a:fillRect/>
+          </a:stretch>
+        </p:blipFill>
+        <p:spPr>
+          <a:xfrm>
+            <a:off x="7235847" y="1582841"/>
+            <a:ext cx="1898822" cy="2270429"/>
+          </a:xfrm>
+          <a:prstGeom prst="rect">
+            <a:avLst/>
+          </a:prstGeom>
+        </p:spPr>
+      </p:pic>
+      <p:pic>
+        <p:nvPicPr>
+          <p:cNvPr id="7" name="图片 6">
+            <a:hlinkClick r:id="rId8"/>
+            <a:extLst>
+              <a:ext uri="{FF2B5EF4-FFF2-40B4-BE49-F238E27FC236}">
+                <a16:creationId xmlns:a16="http://schemas.microsoft.com/office/drawing/2014/main" id="{FDBB3939-B6BB-44D7-A8DB-BE6457E39CA6}"/>
+              </a:ext>
+            </a:extLst>
+          </p:cNvPr>
+          <p:cNvPicPr>
+            <a:picLocks noChangeAspect="1"/>
+          </p:cNvPicPr>
+          <p:nvPr/>
+        </p:nvPicPr>
+        <p:blipFill>
+          <a:blip r:embed="rId9"/>
+          <a:stretch>
+            <a:fillRect/>
+          </a:stretch>
+        </p:blipFill>
+        <p:spPr>
+          <a:xfrm>
+            <a:off x="156640" y="2563470"/>
+            <a:ext cx="2510925" cy="2355665"/>
+          </a:xfrm>
+          <a:prstGeom prst="rect">
+            <a:avLst/>
+          </a:prstGeom>
+        </p:spPr>
+      </p:pic>
+      <p:pic>
+        <p:nvPicPr>
+          <p:cNvPr id="8" name="图片 7">
+            <a:hlinkClick r:id="rId10"/>
+            <a:extLst>
+              <a:ext uri="{FF2B5EF4-FFF2-40B4-BE49-F238E27FC236}">
+                <a16:creationId xmlns:a16="http://schemas.microsoft.com/office/drawing/2014/main" id="{9BCDFEA8-E545-4E1B-9D8D-58F284E3A708}"/>
+              </a:ext>
+            </a:extLst>
+          </p:cNvPr>
+          <p:cNvPicPr>
+            <a:picLocks noChangeAspect="1"/>
+          </p:cNvPicPr>
+          <p:nvPr/>
+        </p:nvPicPr>
+        <p:blipFill>
+          <a:blip r:embed="rId11"/>
+          <a:stretch>
+            <a:fillRect/>
+          </a:stretch>
+        </p:blipFill>
+        <p:spPr>
+          <a:xfrm>
+            <a:off x="9881214" y="2306621"/>
+            <a:ext cx="2176569" cy="2139988"/>
+          </a:xfrm>
+          <a:prstGeom prst="rect">
+            <a:avLst/>
+          </a:prstGeom>
+        </p:spPr>
+      </p:pic>
+      <p:pic>
+        <p:nvPicPr>
+          <p:cNvPr id="9" name="图片 8">
+            <a:hlinkClick r:id="rId12"/>
+            <a:extLst>
+              <a:ext uri="{FF2B5EF4-FFF2-40B4-BE49-F238E27FC236}">
+                <a16:creationId xmlns:a16="http://schemas.microsoft.com/office/drawing/2014/main" id="{0EABCFED-B3C0-441F-806B-C80A58E8789D}"/>
+              </a:ext>
+            </a:extLst>
+          </p:cNvPr>
+          <p:cNvPicPr>
+            <a:picLocks noChangeAspect="1"/>
+          </p:cNvPicPr>
+          <p:nvPr/>
+        </p:nvPicPr>
+        <p:blipFill>
+          <a:blip r:embed="rId13"/>
+          <a:stretch>
+            <a:fillRect/>
+          </a:stretch>
+        </p:blipFill>
+        <p:spPr>
+          <a:xfrm>
+            <a:off x="2890964" y="2563470"/>
+            <a:ext cx="2510926" cy="2479539"/>
+          </a:xfrm>
+          <a:prstGeom prst="rect">
+            <a:avLst/>
+          </a:prstGeom>
+        </p:spPr>
+      </p:pic>
+    </p:spTree>
+    <p:extLst>
+      <p:ext uri="{BB962C8B-B14F-4D97-AF65-F5344CB8AC3E}">
+        <p14:creationId xmlns:p14="http://schemas.microsoft.com/office/powerpoint/2010/main" val="724750761"/>
+      </p:ext>
+    </p:extLst>
+  </p:cSld>
+  <p:clrMapOvr>
+    <a:masterClrMapping/>
+  </p:clrMapOvr>
+</p:sld>
+</file>
+
 <file path=ppt/theme/theme1.xml><?xml version="1.0" encoding="utf-8"?>
 <a:theme xmlns:a="http://schemas.openxmlformats.org/drawingml/2006/main" name="Office 主题​​">
   <a:themeElements>
